--- a/Documentation of project/Carpooling Project PPT.pptx
+++ b/Documentation of project/Carpooling Project PPT.pptx
@@ -10211,7 +10211,7 @@
             </a:pPr>
             <a:r>
               <a:rPr lang="en-IN" altLang="en-US" sz="2400" dirty="0"/>
-              <a:t>Use cases of each user</a:t>
+              <a:t>User cases of each user</a:t>
             </a:r>
             <a:endParaRPr lang="en-IN" altLang="en-US" sz="2400" dirty="0"/>
           </a:p>
@@ -10228,7 +10228,7 @@
             </a:pPr>
             <a:r>
               <a:rPr lang="en-IN" altLang="en-US" sz="2400" dirty="0"/>
-              <a:t>User-update profile,create ride,delete ride ,update ride.</a:t>
+              <a:t>User-</a:t>
             </a:r>
             <a:endParaRPr lang="en-IN" altLang="en-US" sz="2400" dirty="0"/>
           </a:p>
@@ -10245,13 +10245,7 @@
             </a:pPr>
             <a:r>
               <a:rPr lang="en-IN" altLang="en-US" sz="2400" dirty="0"/>
-              <a:t>Passenger-update profile,</a:t>
-            </a:r>
-            <a:r>
-              <a:rPr lang="en-IN" altLang="en-US" sz="2400" dirty="0">
-                <a:sym typeface="+mn-ea"/>
-              </a:rPr>
-              <a:t>create ride,delete ride ,update ride.</a:t>
+              <a:t>Passenger-update profile</a:t>
             </a:r>
             <a:endParaRPr lang="en-IN" altLang="en-US" sz="2400" dirty="0"/>
           </a:p>
